--- a/course_material/slides/007_other_data_structures.pptx
+++ b/course_material/slides/007_other_data_structures.pptx
@@ -5,20 +5,21 @@
     <p:sldMasterId id="2147483672" r:id="rId1"/>
   </p:sldMasterIdLst>
   <p:sldIdLst>
-    <p:sldId id="256" r:id="rId2"/>
-    <p:sldId id="257" r:id="rId3"/>
-    <p:sldId id="259" r:id="rId4"/>
-    <p:sldId id="266" r:id="rId5"/>
-    <p:sldId id="267" r:id="rId6"/>
-    <p:sldId id="268" r:id="rId7"/>
-    <p:sldId id="258" r:id="rId8"/>
-    <p:sldId id="260" r:id="rId9"/>
-    <p:sldId id="261" r:id="rId10"/>
-    <p:sldId id="269" r:id="rId11"/>
-    <p:sldId id="262" r:id="rId12"/>
-    <p:sldId id="263" r:id="rId13"/>
-    <p:sldId id="264" r:id="rId14"/>
-    <p:sldId id="265" r:id="rId15"/>
+    <p:sldId id="270" r:id="rId2"/>
+    <p:sldId id="256" r:id="rId3"/>
+    <p:sldId id="257" r:id="rId4"/>
+    <p:sldId id="259" r:id="rId5"/>
+    <p:sldId id="266" r:id="rId6"/>
+    <p:sldId id="267" r:id="rId7"/>
+    <p:sldId id="268" r:id="rId8"/>
+    <p:sldId id="258" r:id="rId9"/>
+    <p:sldId id="260" r:id="rId10"/>
+    <p:sldId id="261" r:id="rId11"/>
+    <p:sldId id="269" r:id="rId12"/>
+    <p:sldId id="262" r:id="rId13"/>
+    <p:sldId id="263" r:id="rId14"/>
+    <p:sldId id="264" r:id="rId15"/>
+    <p:sldId id="265" r:id="rId16"/>
   </p:sldIdLst>
   <p:sldSz cx="12192000" cy="6858000"/>
   <p:notesSz cx="6858000" cy="9144000"/>
@@ -3638,7 +3639,7 @@
           <p:cNvPr id="2" name="Title 1">
             <a:extLst>
               <a:ext uri="{FF2B5EF4-FFF2-40B4-BE49-F238E27FC236}">
-                <a16:creationId xmlns:a16="http://schemas.microsoft.com/office/drawing/2014/main" id="{390DBD54-E87A-D087-B472-35F98D526F14}"/>
+                <a16:creationId xmlns:a16="http://schemas.microsoft.com/office/drawing/2014/main" id="{742C77EC-DFE1-97E6-9B87-0FF0CCB77D7F}"/>
               </a:ext>
             </a:extLst>
           </p:cNvPr>
@@ -3646,7 +3647,7 @@
             <a:spLocks noGrp="1"/>
           </p:cNvSpPr>
           <p:nvPr>
-            <p:ph type="ctrTitle"/>
+            <p:ph type="title"/>
           </p:nvPr>
         </p:nvSpPr>
         <p:spPr/>
@@ -3656,17 +3657,17 @@
           <a:p>
             <a:r>
               <a:rPr lang="en-US" dirty="0"/>
-              <a:t>Data Structures</a:t>
-            </a:r>
-          </a:p>
-        </p:txBody>
-      </p:sp>
-      <p:sp>
-        <p:nvSpPr>
-          <p:cNvPr id="3" name="Subtitle 2">
+              <a:t>Housekeeping</a:t>
+            </a:r>
+          </a:p>
+        </p:txBody>
+      </p:sp>
+      <p:sp>
+        <p:nvSpPr>
+          <p:cNvPr id="3" name="Content Placeholder 2">
             <a:extLst>
               <a:ext uri="{FF2B5EF4-FFF2-40B4-BE49-F238E27FC236}">
-                <a16:creationId xmlns:a16="http://schemas.microsoft.com/office/drawing/2014/main" id="{9CC550A2-1B20-D8F1-F3DD-6A8037D4BA8D}"/>
+                <a16:creationId xmlns:a16="http://schemas.microsoft.com/office/drawing/2014/main" id="{D30AD294-AB01-313E-163B-7E613C37234B}"/>
               </a:ext>
             </a:extLst>
           </p:cNvPr>
@@ -3674,22 +3675,78 @@
             <a:spLocks noGrp="1"/>
           </p:cNvSpPr>
           <p:nvPr>
-            <p:ph type="subTitle" idx="1"/>
-          </p:nvPr>
-        </p:nvSpPr>
-        <p:spPr/>
-        <p:txBody>
-          <a:bodyPr/>
-          <a:lstStyle/>
-          <a:p>
-            <a:endParaRPr lang="en-US"/>
+            <p:ph idx="1"/>
+          </p:nvPr>
+        </p:nvSpPr>
+        <p:spPr>
+          <a:xfrm>
+            <a:off x="1451579" y="1853754"/>
+            <a:ext cx="9603275" cy="4278105"/>
+          </a:xfrm>
+        </p:spPr>
+        <p:txBody>
+          <a:bodyPr/>
+          <a:lstStyle/>
+          <a:p>
+            <a:r>
+              <a:rPr lang="en-US" dirty="0"/>
+              <a:t>Lab 1:</a:t>
+            </a:r>
+          </a:p>
+          <a:p>
+            <a:pPr lvl="1"/>
+            <a:r>
+              <a:rPr lang="en-US" dirty="0"/>
+              <a:t>I’ll grade it later this week. </a:t>
+            </a:r>
+          </a:p>
+          <a:p>
+            <a:pPr lvl="1"/>
+            <a:r>
+              <a:rPr lang="en-US" dirty="0"/>
+              <a:t>One typo on the example, I’ll adjust some marks to compensate. </a:t>
+            </a:r>
+          </a:p>
+          <a:p>
+            <a:r>
+              <a:rPr lang="en-US" dirty="0"/>
+              <a:t>Today:</a:t>
+            </a:r>
+          </a:p>
+          <a:p>
+            <a:pPr lvl="1"/>
+            <a:r>
+              <a:rPr lang="en-US" dirty="0"/>
+              <a:t>Other data structures. </a:t>
+            </a:r>
+          </a:p>
+          <a:p>
+            <a:pPr lvl="1"/>
+            <a:r>
+              <a:rPr lang="en-US" dirty="0"/>
+              <a:t>Recursion. </a:t>
+            </a:r>
+          </a:p>
+          <a:p>
+            <a:pPr lvl="1"/>
+            <a:r>
+              <a:rPr lang="en-US" dirty="0"/>
+              <a:t>Some exercises on creating classes using the above. </a:t>
+            </a:r>
+          </a:p>
+          <a:p>
+            <a:pPr lvl="1"/>
+            <a:r>
+              <a:rPr lang="en-US" dirty="0"/>
+              <a:t>Tangential concepts – compilation/interpretation, call stack, mutability. </a:t>
+            </a:r>
           </a:p>
         </p:txBody>
       </p:sp>
     </p:spTree>
     <p:extLst>
       <p:ext uri="{BB962C8B-B14F-4D97-AF65-F5344CB8AC3E}">
-        <p14:creationId xmlns:p14="http://schemas.microsoft.com/office/powerpoint/2010/main" val="4230728950"/>
+        <p14:creationId xmlns:p14="http://schemas.microsoft.com/office/powerpoint/2010/main" val="4042790148"/>
       </p:ext>
     </p:extLst>
   </p:cSld>
@@ -3700,6 +3757,162 @@
 </file>
 
 <file path=ppt/slides/slide10.xml><?xml version="1.0" encoding="utf-8"?>
+<p:sld xmlns:a="http://schemas.openxmlformats.org/drawingml/2006/main" xmlns:r="http://schemas.openxmlformats.org/officeDocument/2006/relationships" xmlns:p="http://schemas.openxmlformats.org/presentationml/2006/main">
+  <p:cSld>
+    <p:spTree>
+      <p:nvGrpSpPr>
+        <p:cNvPr id="1" name=""/>
+        <p:cNvGrpSpPr/>
+        <p:nvPr/>
+      </p:nvGrpSpPr>
+      <p:grpSpPr>
+        <a:xfrm>
+          <a:off x="0" y="0"/>
+          <a:ext cx="0" cy="0"/>
+          <a:chOff x="0" y="0"/>
+          <a:chExt cx="0" cy="0"/>
+        </a:xfrm>
+      </p:grpSpPr>
+      <p:sp>
+        <p:nvSpPr>
+          <p:cNvPr id="2" name="Title 1">
+            <a:extLst>
+              <a:ext uri="{FF2B5EF4-FFF2-40B4-BE49-F238E27FC236}">
+                <a16:creationId xmlns:a16="http://schemas.microsoft.com/office/drawing/2014/main" id="{11B218CC-9903-0A7D-058B-1132FBF81497}"/>
+              </a:ext>
+            </a:extLst>
+          </p:cNvPr>
+          <p:cNvSpPr>
+            <a:spLocks noGrp="1"/>
+          </p:cNvSpPr>
+          <p:nvPr>
+            <p:ph type="title"/>
+          </p:nvPr>
+        </p:nvSpPr>
+        <p:spPr/>
+        <p:txBody>
+          <a:bodyPr/>
+          <a:lstStyle/>
+          <a:p>
+            <a:r>
+              <a:rPr lang="en-US" dirty="0"/>
+              <a:t>Dictionaries</a:t>
+            </a:r>
+          </a:p>
+        </p:txBody>
+      </p:sp>
+      <p:sp>
+        <p:nvSpPr>
+          <p:cNvPr id="3" name="Content Placeholder 2">
+            <a:extLst>
+              <a:ext uri="{FF2B5EF4-FFF2-40B4-BE49-F238E27FC236}">
+                <a16:creationId xmlns:a16="http://schemas.microsoft.com/office/drawing/2014/main" id="{A0440ECE-8CFB-C957-327B-44DF27104253}"/>
+              </a:ext>
+            </a:extLst>
+          </p:cNvPr>
+          <p:cNvSpPr>
+            <a:spLocks noGrp="1"/>
+          </p:cNvSpPr>
+          <p:nvPr>
+            <p:ph idx="1"/>
+          </p:nvPr>
+        </p:nvSpPr>
+        <p:spPr>
+          <a:xfrm>
+            <a:off x="1451579" y="2015732"/>
+            <a:ext cx="9603275" cy="3917929"/>
+          </a:xfrm>
+        </p:spPr>
+        <p:txBody>
+          <a:bodyPr/>
+          <a:lstStyle/>
+          <a:p>
+            <a:r>
+              <a:rPr lang="en-US" dirty="0"/>
+              <a:t>Dictionaries are an unordered data structure that stores Key - Value pairs. </a:t>
+            </a:r>
+          </a:p>
+          <a:p>
+            <a:r>
+              <a:rPr lang="en-US" dirty="0"/>
+              <a:t>Dictionaries are generally used where:</a:t>
+            </a:r>
+          </a:p>
+          <a:p>
+            <a:pPr lvl="1"/>
+            <a:r>
+              <a:rPr lang="en-US" dirty="0"/>
+              <a:t>We know what we are looking for – Key. </a:t>
+            </a:r>
+          </a:p>
+          <a:p>
+            <a:pPr lvl="1"/>
+            <a:r>
+              <a:rPr lang="en-US" dirty="0"/>
+              <a:t>We want to know the value of it – Value. </a:t>
+            </a:r>
+          </a:p>
+        </p:txBody>
+      </p:sp>
+      <p:pic>
+        <p:nvPicPr>
+          <p:cNvPr id="7170" name="Picture 2" descr="Difference Between List and Dictionary in Python - Scaler Topics">
+            <a:extLst>
+              <a:ext uri="{FF2B5EF4-FFF2-40B4-BE49-F238E27FC236}">
+                <a16:creationId xmlns:a16="http://schemas.microsoft.com/office/drawing/2014/main" id="{2E78AD43-758C-EFF1-007D-A90B500901D6}"/>
+              </a:ext>
+            </a:extLst>
+          </p:cNvPr>
+          <p:cNvPicPr>
+            <a:picLocks noChangeAspect="1" noChangeArrowheads="1"/>
+          </p:cNvPicPr>
+          <p:nvPr/>
+        </p:nvPicPr>
+        <p:blipFill rotWithShape="1">
+          <a:blip r:embed="rId2">
+            <a:extLst>
+              <a:ext uri="{28A0092B-C50C-407E-A947-70E740481C1C}">
+                <a14:useLocalDpi xmlns:a14="http://schemas.microsoft.com/office/drawing/2010/main" val="0"/>
+              </a:ext>
+            </a:extLst>
+          </a:blip>
+          <a:srcRect l="7113" t="10395" r="6212" b="28750"/>
+          <a:stretch/>
+        </p:blipFill>
+        <p:spPr bwMode="auto">
+          <a:xfrm>
+            <a:off x="2043537" y="3766008"/>
+            <a:ext cx="8104926" cy="3091992"/>
+          </a:xfrm>
+          <a:prstGeom prst="rect">
+            <a:avLst/>
+          </a:prstGeom>
+          <a:noFill/>
+          <a:extLst>
+            <a:ext uri="{909E8E84-426E-40DD-AFC4-6F175D3DCCD1}">
+              <a14:hiddenFill xmlns:a14="http://schemas.microsoft.com/office/drawing/2010/main">
+                <a:solidFill>
+                  <a:srgbClr val="FFFFFF"/>
+                </a:solidFill>
+              </a14:hiddenFill>
+            </a:ext>
+          </a:extLst>
+        </p:spPr>
+      </p:pic>
+    </p:spTree>
+    <p:extLst>
+      <p:ext uri="{BB962C8B-B14F-4D97-AF65-F5344CB8AC3E}">
+        <p14:creationId xmlns:p14="http://schemas.microsoft.com/office/powerpoint/2010/main" val="704902800"/>
+      </p:ext>
+    </p:extLst>
+  </p:cSld>
+  <p:clrMapOvr>
+    <a:masterClrMapping/>
+  </p:clrMapOvr>
+</p:sld>
+</file>
+
+<file path=ppt/slides/slide11.xml><?xml version="1.0" encoding="utf-8"?>
 <p:sld xmlns:a="http://schemas.openxmlformats.org/drawingml/2006/main" xmlns:r="http://schemas.openxmlformats.org/officeDocument/2006/relationships" xmlns:p="http://schemas.openxmlformats.org/presentationml/2006/main">
   <p:cSld>
     <p:bg>
@@ -3913,7 +4126,7 @@
 </p:sld>
 </file>
 
-<file path=ppt/slides/slide11.xml><?xml version="1.0" encoding="utf-8"?>
+<file path=ppt/slides/slide12.xml><?xml version="1.0" encoding="utf-8"?>
 <p:sld xmlns:a="http://schemas.openxmlformats.org/drawingml/2006/main" xmlns:r="http://schemas.openxmlformats.org/officeDocument/2006/relationships" xmlns:p="http://schemas.openxmlformats.org/presentationml/2006/main">
   <p:cSld>
     <p:spTree>
@@ -4077,7 +4290,7 @@
 </p:sld>
 </file>
 
-<file path=ppt/slides/slide12.xml><?xml version="1.0" encoding="utf-8"?>
+<file path=ppt/slides/slide13.xml><?xml version="1.0" encoding="utf-8"?>
 <p:sld xmlns:a="http://schemas.openxmlformats.org/drawingml/2006/main" xmlns:r="http://schemas.openxmlformats.org/officeDocument/2006/relationships" xmlns:p="http://schemas.openxmlformats.org/presentationml/2006/main">
   <p:cSld>
     <p:bg>
@@ -4268,7 +4481,7 @@
 </p:sld>
 </file>
 
-<file path=ppt/slides/slide13.xml><?xml version="1.0" encoding="utf-8"?>
+<file path=ppt/slides/slide14.xml><?xml version="1.0" encoding="utf-8"?>
 <p:sld xmlns:a="http://schemas.openxmlformats.org/drawingml/2006/main" xmlns:r="http://schemas.openxmlformats.org/officeDocument/2006/relationships" xmlns:p="http://schemas.openxmlformats.org/presentationml/2006/main">
   <p:cSld>
     <p:spTree>
@@ -4415,7 +4628,7 @@
 </p:sld>
 </file>
 
-<file path=ppt/slides/slide14.xml><?xml version="1.0" encoding="utf-8"?>
+<file path=ppt/slides/slide15.xml><?xml version="1.0" encoding="utf-8"?>
 <p:sld xmlns:a="http://schemas.openxmlformats.org/drawingml/2006/main" xmlns:r="http://schemas.openxmlformats.org/officeDocument/2006/relationships" xmlns:p="http://schemas.openxmlformats.org/presentationml/2006/main">
   <p:cSld>
     <p:spTree>
@@ -4556,7 +4769,7 @@
           <p:cNvPr id="2" name="Title 1">
             <a:extLst>
               <a:ext uri="{FF2B5EF4-FFF2-40B4-BE49-F238E27FC236}">
-                <a16:creationId xmlns:a16="http://schemas.microsoft.com/office/drawing/2014/main" id="{09CEBACF-E011-0A8F-3950-77A42F801333}"/>
+                <a16:creationId xmlns:a16="http://schemas.microsoft.com/office/drawing/2014/main" id="{390DBD54-E87A-D087-B472-35F98D526F14}"/>
               </a:ext>
             </a:extLst>
           </p:cNvPr>
@@ -4564,7 +4777,7 @@
             <a:spLocks noGrp="1"/>
           </p:cNvSpPr>
           <p:nvPr>
-            <p:ph type="title"/>
+            <p:ph type="ctrTitle"/>
           </p:nvPr>
         </p:nvSpPr>
         <p:spPr/>
@@ -4574,17 +4787,17 @@
           <a:p>
             <a:r>
               <a:rPr lang="en-US" dirty="0"/>
-              <a:t>Data Structures in Python</a:t>
-            </a:r>
-          </a:p>
-        </p:txBody>
-      </p:sp>
-      <p:sp>
-        <p:nvSpPr>
-          <p:cNvPr id="3" name="Content Placeholder 2">
+              <a:t>Data Structures</a:t>
+            </a:r>
+          </a:p>
+        </p:txBody>
+      </p:sp>
+      <p:sp>
+        <p:nvSpPr>
+          <p:cNvPr id="3" name="Subtitle 2">
             <a:extLst>
               <a:ext uri="{FF2B5EF4-FFF2-40B4-BE49-F238E27FC236}">
-                <a16:creationId xmlns:a16="http://schemas.microsoft.com/office/drawing/2014/main" id="{A9BFE846-CADA-DFA7-56FB-045DDB7B56B0}"/>
+                <a16:creationId xmlns:a16="http://schemas.microsoft.com/office/drawing/2014/main" id="{9CC550A2-1B20-D8F1-F3DD-6A8037D4BA8D}"/>
               </a:ext>
             </a:extLst>
           </p:cNvPr>
@@ -4592,81 +4805,22 @@
             <a:spLocks noGrp="1"/>
           </p:cNvSpPr>
           <p:nvPr>
-            <p:ph idx="1"/>
-          </p:nvPr>
-        </p:nvSpPr>
-        <p:spPr>
-          <a:xfrm>
-            <a:off x="1451579" y="2015732"/>
-            <a:ext cx="9603275" cy="4037749"/>
-          </a:xfrm>
-        </p:spPr>
-        <p:txBody>
-          <a:bodyPr/>
-          <a:lstStyle/>
-          <a:p>
-            <a:r>
-              <a:rPr lang="en-US" dirty="0"/>
-              <a:t>All data structures do, more-or-less, the same thing – hold some data in a “package”. </a:t>
-            </a:r>
-          </a:p>
-          <a:p>
-            <a:r>
-              <a:rPr lang="en-US" dirty="0"/>
-              <a:t>It’s far easier to handle a list of products as a unit, rather than 37 billion individual items. </a:t>
-            </a:r>
-          </a:p>
-          <a:p>
-            <a:r>
-              <a:rPr lang="en-US" dirty="0"/>
-              <a:t>Most scenarios are well suited to familiar data structures:</a:t>
-            </a:r>
-          </a:p>
-          <a:p>
-            <a:pPr lvl="1"/>
-            <a:r>
-              <a:rPr lang="en-US" dirty="0"/>
-              <a:t>Lists – many items, totally flexible, find items by index. </a:t>
-            </a:r>
-          </a:p>
-          <a:p>
-            <a:pPr lvl="1"/>
-            <a:r>
-              <a:rPr lang="en-US" dirty="0" err="1"/>
-              <a:t>Dataframes</a:t>
-            </a:r>
-            <a:r>
-              <a:rPr lang="en-US" dirty="0"/>
-              <a:t> – using tabular data, as we commonly do in data science. </a:t>
-            </a:r>
-          </a:p>
-          <a:p>
-            <a:pPr lvl="1"/>
-            <a:r>
-              <a:rPr lang="en-US" dirty="0"/>
-              <a:t>Arrays – roughly a ”fixed” list, used a lot for machine learning. (Hopefully you’ll touch these in stats soon-</a:t>
-            </a:r>
-            <a:r>
-              <a:rPr lang="en-US" dirty="0" err="1"/>
-              <a:t>ish</a:t>
-            </a:r>
-            <a:r>
-              <a:rPr lang="en-US" dirty="0"/>
-              <a:t>). </a:t>
-            </a:r>
-          </a:p>
-          <a:p>
-            <a:r>
-              <a:rPr lang="en-US" dirty="0"/>
-              <a:t>Other times we may want or need a data structure with different functionality. </a:t>
-            </a:r>
+            <p:ph type="subTitle" idx="1"/>
+          </p:nvPr>
+        </p:nvSpPr>
+        <p:spPr/>
+        <p:txBody>
+          <a:bodyPr/>
+          <a:lstStyle/>
+          <a:p>
+            <a:endParaRPr lang="en-US"/>
           </a:p>
         </p:txBody>
       </p:sp>
     </p:spTree>
     <p:extLst>
       <p:ext uri="{BB962C8B-B14F-4D97-AF65-F5344CB8AC3E}">
-        <p14:creationId xmlns:p14="http://schemas.microsoft.com/office/powerpoint/2010/main" val="603940446"/>
+        <p14:creationId xmlns:p14="http://schemas.microsoft.com/office/powerpoint/2010/main" val="4230728950"/>
       </p:ext>
     </p:extLst>
   </p:cSld>
@@ -4698,6 +4852,148 @@
           <p:cNvPr id="2" name="Title 1">
             <a:extLst>
               <a:ext uri="{FF2B5EF4-FFF2-40B4-BE49-F238E27FC236}">
+                <a16:creationId xmlns:a16="http://schemas.microsoft.com/office/drawing/2014/main" id="{09CEBACF-E011-0A8F-3950-77A42F801333}"/>
+              </a:ext>
+            </a:extLst>
+          </p:cNvPr>
+          <p:cNvSpPr>
+            <a:spLocks noGrp="1"/>
+          </p:cNvSpPr>
+          <p:nvPr>
+            <p:ph type="title"/>
+          </p:nvPr>
+        </p:nvSpPr>
+        <p:spPr/>
+        <p:txBody>
+          <a:bodyPr/>
+          <a:lstStyle/>
+          <a:p>
+            <a:r>
+              <a:rPr lang="en-US" dirty="0"/>
+              <a:t>Data Structures in Python</a:t>
+            </a:r>
+          </a:p>
+        </p:txBody>
+      </p:sp>
+      <p:sp>
+        <p:nvSpPr>
+          <p:cNvPr id="3" name="Content Placeholder 2">
+            <a:extLst>
+              <a:ext uri="{FF2B5EF4-FFF2-40B4-BE49-F238E27FC236}">
+                <a16:creationId xmlns:a16="http://schemas.microsoft.com/office/drawing/2014/main" id="{A9BFE846-CADA-DFA7-56FB-045DDB7B56B0}"/>
+              </a:ext>
+            </a:extLst>
+          </p:cNvPr>
+          <p:cNvSpPr>
+            <a:spLocks noGrp="1"/>
+          </p:cNvSpPr>
+          <p:nvPr>
+            <p:ph idx="1"/>
+          </p:nvPr>
+        </p:nvSpPr>
+        <p:spPr>
+          <a:xfrm>
+            <a:off x="1451579" y="2015732"/>
+            <a:ext cx="9603275" cy="4037749"/>
+          </a:xfrm>
+        </p:spPr>
+        <p:txBody>
+          <a:bodyPr/>
+          <a:lstStyle/>
+          <a:p>
+            <a:r>
+              <a:rPr lang="en-US" dirty="0"/>
+              <a:t>All data structures do, more-or-less, the same thing – hold some data in a “package”. </a:t>
+            </a:r>
+          </a:p>
+          <a:p>
+            <a:r>
+              <a:rPr lang="en-US" dirty="0"/>
+              <a:t>It’s far easier to handle a list of products as a unit, rather than 37 billion individual items. </a:t>
+            </a:r>
+          </a:p>
+          <a:p>
+            <a:r>
+              <a:rPr lang="en-US" dirty="0"/>
+              <a:t>Most scenarios are well suited to familiar data structures:</a:t>
+            </a:r>
+          </a:p>
+          <a:p>
+            <a:pPr lvl="1"/>
+            <a:r>
+              <a:rPr lang="en-US" dirty="0"/>
+              <a:t>Lists – many items, totally flexible, find items by index. </a:t>
+            </a:r>
+          </a:p>
+          <a:p>
+            <a:pPr lvl="1"/>
+            <a:r>
+              <a:rPr lang="en-US" dirty="0" err="1"/>
+              <a:t>Dataframes</a:t>
+            </a:r>
+            <a:r>
+              <a:rPr lang="en-US" dirty="0"/>
+              <a:t> – using tabular data, as we commonly do in data science. </a:t>
+            </a:r>
+          </a:p>
+          <a:p>
+            <a:pPr lvl="1"/>
+            <a:r>
+              <a:rPr lang="en-US" dirty="0"/>
+              <a:t>Arrays – roughly a ”fixed” list, used a lot for machine learning. (Hopefully you’ll touch these in stats soon-</a:t>
+            </a:r>
+            <a:r>
+              <a:rPr lang="en-US" dirty="0" err="1"/>
+              <a:t>ish</a:t>
+            </a:r>
+            <a:r>
+              <a:rPr lang="en-US" dirty="0"/>
+              <a:t>). </a:t>
+            </a:r>
+          </a:p>
+          <a:p>
+            <a:r>
+              <a:rPr lang="en-US" dirty="0"/>
+              <a:t>Other times we may want or need a data structure with different functionality. </a:t>
+            </a:r>
+          </a:p>
+        </p:txBody>
+      </p:sp>
+    </p:spTree>
+    <p:extLst>
+      <p:ext uri="{BB962C8B-B14F-4D97-AF65-F5344CB8AC3E}">
+        <p14:creationId xmlns:p14="http://schemas.microsoft.com/office/powerpoint/2010/main" val="603940446"/>
+      </p:ext>
+    </p:extLst>
+  </p:cSld>
+  <p:clrMapOvr>
+    <a:masterClrMapping/>
+  </p:clrMapOvr>
+</p:sld>
+</file>
+
+<file path=ppt/slides/slide4.xml><?xml version="1.0" encoding="utf-8"?>
+<p:sld xmlns:a="http://schemas.openxmlformats.org/drawingml/2006/main" xmlns:r="http://schemas.openxmlformats.org/officeDocument/2006/relationships" xmlns:p="http://schemas.openxmlformats.org/presentationml/2006/main">
+  <p:cSld>
+    <p:spTree>
+      <p:nvGrpSpPr>
+        <p:cNvPr id="1" name=""/>
+        <p:cNvGrpSpPr/>
+        <p:nvPr/>
+      </p:nvGrpSpPr>
+      <p:grpSpPr>
+        <a:xfrm>
+          <a:off x="0" y="0"/>
+          <a:ext cx="0" cy="0"/>
+          <a:chOff x="0" y="0"/>
+          <a:chExt cx="0" cy="0"/>
+        </a:xfrm>
+      </p:grpSpPr>
+      <p:sp>
+        <p:nvSpPr>
+          <p:cNvPr id="2" name="Title 1">
+            <a:extLst>
+              <a:ext uri="{FF2B5EF4-FFF2-40B4-BE49-F238E27FC236}">
                 <a16:creationId xmlns:a16="http://schemas.microsoft.com/office/drawing/2014/main" id="{2D2EB987-265A-25BC-49B5-B7338CB4B685}"/>
               </a:ext>
             </a:extLst>
@@ -4844,131 +5140,6 @@
 </p:sld>
 </file>
 
-<file path=ppt/slides/slide4.xml><?xml version="1.0" encoding="utf-8"?>
-<p:sld xmlns:a="http://schemas.openxmlformats.org/drawingml/2006/main" xmlns:r="http://schemas.openxmlformats.org/officeDocument/2006/relationships" xmlns:p="http://schemas.openxmlformats.org/presentationml/2006/main">
-  <p:cSld>
-    <p:spTree>
-      <p:nvGrpSpPr>
-        <p:cNvPr id="1" name=""/>
-        <p:cNvGrpSpPr/>
-        <p:nvPr/>
-      </p:nvGrpSpPr>
-      <p:grpSpPr>
-        <a:xfrm>
-          <a:off x="0" y="0"/>
-          <a:ext cx="0" cy="0"/>
-          <a:chOff x="0" y="0"/>
-          <a:chExt cx="0" cy="0"/>
-        </a:xfrm>
-      </p:grpSpPr>
-      <p:sp>
-        <p:nvSpPr>
-          <p:cNvPr id="2" name="Title 1">
-            <a:extLst>
-              <a:ext uri="{FF2B5EF4-FFF2-40B4-BE49-F238E27FC236}">
-                <a16:creationId xmlns:a16="http://schemas.microsoft.com/office/drawing/2014/main" id="{D9972E24-1C11-4ED8-BB7F-BE2F8BFEFA4E}"/>
-              </a:ext>
-            </a:extLst>
-          </p:cNvPr>
-          <p:cNvSpPr>
-            <a:spLocks noGrp="1"/>
-          </p:cNvSpPr>
-          <p:nvPr>
-            <p:ph type="title"/>
-          </p:nvPr>
-        </p:nvSpPr>
-        <p:spPr/>
-        <p:txBody>
-          <a:bodyPr/>
-          <a:lstStyle/>
-          <a:p>
-            <a:r>
-              <a:rPr lang="en-US" dirty="0"/>
-              <a:t>Mutability</a:t>
-            </a:r>
-          </a:p>
-        </p:txBody>
-      </p:sp>
-      <p:sp>
-        <p:nvSpPr>
-          <p:cNvPr id="3" name="Content Placeholder 2">
-            <a:extLst>
-              <a:ext uri="{FF2B5EF4-FFF2-40B4-BE49-F238E27FC236}">
-                <a16:creationId xmlns:a16="http://schemas.microsoft.com/office/drawing/2014/main" id="{2BB717B3-289E-3F24-5A07-451F9478EBAE}"/>
-              </a:ext>
-            </a:extLst>
-          </p:cNvPr>
-          <p:cNvSpPr>
-            <a:spLocks noGrp="1"/>
-          </p:cNvSpPr>
-          <p:nvPr>
-            <p:ph idx="1"/>
-          </p:nvPr>
-        </p:nvSpPr>
-        <p:spPr>
-          <a:xfrm>
-            <a:off x="1451579" y="2015732"/>
-            <a:ext cx="9603275" cy="4037749"/>
-          </a:xfrm>
-        </p:spPr>
-        <p:txBody>
-          <a:bodyPr/>
-          <a:lstStyle/>
-          <a:p>
-            <a:r>
-              <a:rPr lang="en-US" dirty="0"/>
-              <a:t>Another concept that is important in data structures is mutability, or the ability to be changed. </a:t>
-            </a:r>
-          </a:p>
-          <a:p>
-            <a:r>
-              <a:rPr lang="en-US" dirty="0"/>
-              <a:t>Different data structures have different rules on if their items are mutable. </a:t>
-            </a:r>
-          </a:p>
-          <a:p>
-            <a:pPr lvl="1"/>
-            <a:r>
-              <a:rPr lang="en-US" dirty="0"/>
-              <a:t>Tuples are immutable – the items in a tuple can’t be changed. </a:t>
-            </a:r>
-          </a:p>
-          <a:p>
-            <a:pPr lvl="1"/>
-            <a:r>
-              <a:rPr lang="en-US" dirty="0"/>
-              <a:t>Sets are immutable – we can add/remove, but not change the items. </a:t>
-            </a:r>
-          </a:p>
-          <a:p>
-            <a:pPr lvl="2"/>
-            <a:r>
-              <a:rPr lang="en-US" dirty="0"/>
-              <a:t>I.e. the set’s contents can change, but the items in it are fixed. </a:t>
-            </a:r>
-          </a:p>
-          <a:p>
-            <a:pPr lvl="1"/>
-            <a:r>
-              <a:rPr lang="en-US" dirty="0"/>
-              <a:t>Lists and Dictionaries are mutable – we can change anything we want. </a:t>
-            </a:r>
-          </a:p>
-        </p:txBody>
-      </p:sp>
-    </p:spTree>
-    <p:extLst>
-      <p:ext uri="{BB962C8B-B14F-4D97-AF65-F5344CB8AC3E}">
-        <p14:creationId xmlns:p14="http://schemas.microsoft.com/office/powerpoint/2010/main" val="137009437"/>
-      </p:ext>
-    </p:extLst>
-  </p:cSld>
-  <p:clrMapOvr>
-    <a:masterClrMapping/>
-  </p:clrMapOvr>
-</p:sld>
-</file>
-
 <file path=ppt/slides/slide5.xml><?xml version="1.0" encoding="utf-8"?>
 <p:sld xmlns:a="http://schemas.openxmlformats.org/drawingml/2006/main" xmlns:r="http://schemas.openxmlformats.org/officeDocument/2006/relationships" xmlns:p="http://schemas.openxmlformats.org/presentationml/2006/main">
   <p:cSld>
@@ -4991,6 +5162,131 @@
           <p:cNvPr id="2" name="Title 1">
             <a:extLst>
               <a:ext uri="{FF2B5EF4-FFF2-40B4-BE49-F238E27FC236}">
+                <a16:creationId xmlns:a16="http://schemas.microsoft.com/office/drawing/2014/main" id="{D9972E24-1C11-4ED8-BB7F-BE2F8BFEFA4E}"/>
+              </a:ext>
+            </a:extLst>
+          </p:cNvPr>
+          <p:cNvSpPr>
+            <a:spLocks noGrp="1"/>
+          </p:cNvSpPr>
+          <p:nvPr>
+            <p:ph type="title"/>
+          </p:nvPr>
+        </p:nvSpPr>
+        <p:spPr/>
+        <p:txBody>
+          <a:bodyPr/>
+          <a:lstStyle/>
+          <a:p>
+            <a:r>
+              <a:rPr lang="en-US" dirty="0"/>
+              <a:t>Mutability</a:t>
+            </a:r>
+          </a:p>
+        </p:txBody>
+      </p:sp>
+      <p:sp>
+        <p:nvSpPr>
+          <p:cNvPr id="3" name="Content Placeholder 2">
+            <a:extLst>
+              <a:ext uri="{FF2B5EF4-FFF2-40B4-BE49-F238E27FC236}">
+                <a16:creationId xmlns:a16="http://schemas.microsoft.com/office/drawing/2014/main" id="{2BB717B3-289E-3F24-5A07-451F9478EBAE}"/>
+              </a:ext>
+            </a:extLst>
+          </p:cNvPr>
+          <p:cNvSpPr>
+            <a:spLocks noGrp="1"/>
+          </p:cNvSpPr>
+          <p:nvPr>
+            <p:ph idx="1"/>
+          </p:nvPr>
+        </p:nvSpPr>
+        <p:spPr>
+          <a:xfrm>
+            <a:off x="1451579" y="2015732"/>
+            <a:ext cx="9603275" cy="4037749"/>
+          </a:xfrm>
+        </p:spPr>
+        <p:txBody>
+          <a:bodyPr/>
+          <a:lstStyle/>
+          <a:p>
+            <a:r>
+              <a:rPr lang="en-US" dirty="0"/>
+              <a:t>Another concept that is important in data structures is mutability, or the ability to be changed. </a:t>
+            </a:r>
+          </a:p>
+          <a:p>
+            <a:r>
+              <a:rPr lang="en-US" dirty="0"/>
+              <a:t>Different data structures have different rules on if their items are mutable. </a:t>
+            </a:r>
+          </a:p>
+          <a:p>
+            <a:pPr lvl="1"/>
+            <a:r>
+              <a:rPr lang="en-US" dirty="0"/>
+              <a:t>Tuples are immutable – the items in a tuple can’t be changed. </a:t>
+            </a:r>
+          </a:p>
+          <a:p>
+            <a:pPr lvl="1"/>
+            <a:r>
+              <a:rPr lang="en-US" dirty="0"/>
+              <a:t>Sets are immutable – we can add/remove, but not change the items. </a:t>
+            </a:r>
+          </a:p>
+          <a:p>
+            <a:pPr lvl="2"/>
+            <a:r>
+              <a:rPr lang="en-US" dirty="0"/>
+              <a:t>I.e. the set’s contents can change, but the items in it are fixed. </a:t>
+            </a:r>
+          </a:p>
+          <a:p>
+            <a:pPr lvl="1"/>
+            <a:r>
+              <a:rPr lang="en-US" dirty="0"/>
+              <a:t>Lists and Dictionaries are mutable – we can change anything we want. </a:t>
+            </a:r>
+          </a:p>
+        </p:txBody>
+      </p:sp>
+    </p:spTree>
+    <p:extLst>
+      <p:ext uri="{BB962C8B-B14F-4D97-AF65-F5344CB8AC3E}">
+        <p14:creationId xmlns:p14="http://schemas.microsoft.com/office/powerpoint/2010/main" val="137009437"/>
+      </p:ext>
+    </p:extLst>
+  </p:cSld>
+  <p:clrMapOvr>
+    <a:masterClrMapping/>
+  </p:clrMapOvr>
+</p:sld>
+</file>
+
+<file path=ppt/slides/slide6.xml><?xml version="1.0" encoding="utf-8"?>
+<p:sld xmlns:a="http://schemas.openxmlformats.org/drawingml/2006/main" xmlns:r="http://schemas.openxmlformats.org/officeDocument/2006/relationships" xmlns:p="http://schemas.openxmlformats.org/presentationml/2006/main">
+  <p:cSld>
+    <p:spTree>
+      <p:nvGrpSpPr>
+        <p:cNvPr id="1" name=""/>
+        <p:cNvGrpSpPr/>
+        <p:nvPr/>
+      </p:nvGrpSpPr>
+      <p:grpSpPr>
+        <a:xfrm>
+          <a:off x="0" y="0"/>
+          <a:ext cx="0" cy="0"/>
+          <a:chOff x="0" y="0"/>
+          <a:chExt cx="0" cy="0"/>
+        </a:xfrm>
+      </p:grpSpPr>
+      <p:sp>
+        <p:nvSpPr>
+          <p:cNvPr id="2" name="Title 1">
+            <a:extLst>
+              <a:ext uri="{FF2B5EF4-FFF2-40B4-BE49-F238E27FC236}">
                 <a16:creationId xmlns:a16="http://schemas.microsoft.com/office/drawing/2014/main" id="{F297E73D-CF79-511E-81E7-02BEFAE7A173}"/>
               </a:ext>
             </a:extLst>
@@ -5116,7 +5412,7 @@
 </p:sld>
 </file>
 
-<file path=ppt/slides/slide6.xml><?xml version="1.0" encoding="utf-8"?>
+<file path=ppt/slides/slide7.xml><?xml version="1.0" encoding="utf-8"?>
 <p:sld xmlns:a="http://schemas.openxmlformats.org/drawingml/2006/main" xmlns:r="http://schemas.openxmlformats.org/officeDocument/2006/relationships" xmlns:p="http://schemas.openxmlformats.org/presentationml/2006/main">
   <p:cSld>
     <p:spTree>
@@ -5308,7 +5604,7 @@
 </p:sld>
 </file>
 
-<file path=ppt/slides/slide7.xml><?xml version="1.0" encoding="utf-8"?>
+<file path=ppt/slides/slide8.xml><?xml version="1.0" encoding="utf-8"?>
 <p:sld xmlns:a="http://schemas.openxmlformats.org/drawingml/2006/main" xmlns:r="http://schemas.openxmlformats.org/officeDocument/2006/relationships" xmlns:p="http://schemas.openxmlformats.org/presentationml/2006/main">
   <p:cSld>
     <p:spTree>
@@ -5466,7 +5762,7 @@
 </p:sld>
 </file>
 
-<file path=ppt/slides/slide8.xml><?xml version="1.0" encoding="utf-8"?>
+<file path=ppt/slides/slide9.xml><?xml version="1.0" encoding="utf-8"?>
 <p:sld xmlns:a="http://schemas.openxmlformats.org/drawingml/2006/main" xmlns:r="http://schemas.openxmlformats.org/officeDocument/2006/relationships" xmlns:p="http://schemas.openxmlformats.org/presentationml/2006/main">
   <p:cSld>
     <p:spTree>
@@ -5613,162 +5909,6 @@
     <p:extLst>
       <p:ext uri="{BB962C8B-B14F-4D97-AF65-F5344CB8AC3E}">
         <p14:creationId xmlns:p14="http://schemas.microsoft.com/office/powerpoint/2010/main" val="2822183973"/>
-      </p:ext>
-    </p:extLst>
-  </p:cSld>
-  <p:clrMapOvr>
-    <a:masterClrMapping/>
-  </p:clrMapOvr>
-</p:sld>
-</file>
-
-<file path=ppt/slides/slide9.xml><?xml version="1.0" encoding="utf-8"?>
-<p:sld xmlns:a="http://schemas.openxmlformats.org/drawingml/2006/main" xmlns:r="http://schemas.openxmlformats.org/officeDocument/2006/relationships" xmlns:p="http://schemas.openxmlformats.org/presentationml/2006/main">
-  <p:cSld>
-    <p:spTree>
-      <p:nvGrpSpPr>
-        <p:cNvPr id="1" name=""/>
-        <p:cNvGrpSpPr/>
-        <p:nvPr/>
-      </p:nvGrpSpPr>
-      <p:grpSpPr>
-        <a:xfrm>
-          <a:off x="0" y="0"/>
-          <a:ext cx="0" cy="0"/>
-          <a:chOff x="0" y="0"/>
-          <a:chExt cx="0" cy="0"/>
-        </a:xfrm>
-      </p:grpSpPr>
-      <p:sp>
-        <p:nvSpPr>
-          <p:cNvPr id="2" name="Title 1">
-            <a:extLst>
-              <a:ext uri="{FF2B5EF4-FFF2-40B4-BE49-F238E27FC236}">
-                <a16:creationId xmlns:a16="http://schemas.microsoft.com/office/drawing/2014/main" id="{11B218CC-9903-0A7D-058B-1132FBF81497}"/>
-              </a:ext>
-            </a:extLst>
-          </p:cNvPr>
-          <p:cNvSpPr>
-            <a:spLocks noGrp="1"/>
-          </p:cNvSpPr>
-          <p:nvPr>
-            <p:ph type="title"/>
-          </p:nvPr>
-        </p:nvSpPr>
-        <p:spPr/>
-        <p:txBody>
-          <a:bodyPr/>
-          <a:lstStyle/>
-          <a:p>
-            <a:r>
-              <a:rPr lang="en-US" dirty="0"/>
-              <a:t>Dictionaries</a:t>
-            </a:r>
-          </a:p>
-        </p:txBody>
-      </p:sp>
-      <p:sp>
-        <p:nvSpPr>
-          <p:cNvPr id="3" name="Content Placeholder 2">
-            <a:extLst>
-              <a:ext uri="{FF2B5EF4-FFF2-40B4-BE49-F238E27FC236}">
-                <a16:creationId xmlns:a16="http://schemas.microsoft.com/office/drawing/2014/main" id="{A0440ECE-8CFB-C957-327B-44DF27104253}"/>
-              </a:ext>
-            </a:extLst>
-          </p:cNvPr>
-          <p:cNvSpPr>
-            <a:spLocks noGrp="1"/>
-          </p:cNvSpPr>
-          <p:nvPr>
-            <p:ph idx="1"/>
-          </p:nvPr>
-        </p:nvSpPr>
-        <p:spPr>
-          <a:xfrm>
-            <a:off x="1451579" y="2015732"/>
-            <a:ext cx="9603275" cy="3917929"/>
-          </a:xfrm>
-        </p:spPr>
-        <p:txBody>
-          <a:bodyPr/>
-          <a:lstStyle/>
-          <a:p>
-            <a:r>
-              <a:rPr lang="en-US" dirty="0"/>
-              <a:t>Dictionaries are an unordered data structure that stores Key - Value pairs. </a:t>
-            </a:r>
-          </a:p>
-          <a:p>
-            <a:r>
-              <a:rPr lang="en-US" dirty="0"/>
-              <a:t>Dictionaries are generally used where:</a:t>
-            </a:r>
-          </a:p>
-          <a:p>
-            <a:pPr lvl="1"/>
-            <a:r>
-              <a:rPr lang="en-US" dirty="0"/>
-              <a:t>We know what we are looking for – Key. </a:t>
-            </a:r>
-          </a:p>
-          <a:p>
-            <a:pPr lvl="1"/>
-            <a:r>
-              <a:rPr lang="en-US" dirty="0"/>
-              <a:t>We want to know the value of it – Value. </a:t>
-            </a:r>
-          </a:p>
-        </p:txBody>
-      </p:sp>
-      <p:pic>
-        <p:nvPicPr>
-          <p:cNvPr id="7170" name="Picture 2" descr="Difference Between List and Dictionary in Python - Scaler Topics">
-            <a:extLst>
-              <a:ext uri="{FF2B5EF4-FFF2-40B4-BE49-F238E27FC236}">
-                <a16:creationId xmlns:a16="http://schemas.microsoft.com/office/drawing/2014/main" id="{2E78AD43-758C-EFF1-007D-A90B500901D6}"/>
-              </a:ext>
-            </a:extLst>
-          </p:cNvPr>
-          <p:cNvPicPr>
-            <a:picLocks noChangeAspect="1" noChangeArrowheads="1"/>
-          </p:cNvPicPr>
-          <p:nvPr/>
-        </p:nvPicPr>
-        <p:blipFill rotWithShape="1">
-          <a:blip r:embed="rId2">
-            <a:extLst>
-              <a:ext uri="{28A0092B-C50C-407E-A947-70E740481C1C}">
-                <a14:useLocalDpi xmlns:a14="http://schemas.microsoft.com/office/drawing/2010/main" val="0"/>
-              </a:ext>
-            </a:extLst>
-          </a:blip>
-          <a:srcRect l="7113" t="10395" r="6212" b="28750"/>
-          <a:stretch/>
-        </p:blipFill>
-        <p:spPr bwMode="auto">
-          <a:xfrm>
-            <a:off x="2043537" y="3766008"/>
-            <a:ext cx="8104926" cy="3091992"/>
-          </a:xfrm>
-          <a:prstGeom prst="rect">
-            <a:avLst/>
-          </a:prstGeom>
-          <a:noFill/>
-          <a:extLst>
-            <a:ext uri="{909E8E84-426E-40DD-AFC4-6F175D3DCCD1}">
-              <a14:hiddenFill xmlns:a14="http://schemas.microsoft.com/office/drawing/2010/main">
-                <a:solidFill>
-                  <a:srgbClr val="FFFFFF"/>
-                </a:solidFill>
-              </a14:hiddenFill>
-            </a:ext>
-          </a:extLst>
-        </p:spPr>
-      </p:pic>
-    </p:spTree>
-    <p:extLst>
-      <p:ext uri="{BB962C8B-B14F-4D97-AF65-F5344CB8AC3E}">
-        <p14:creationId xmlns:p14="http://schemas.microsoft.com/office/powerpoint/2010/main" val="704902800"/>
       </p:ext>
     </p:extLst>
   </p:cSld>

--- a/course_material/slides/007_other_data_structures.pptx
+++ b/course_material/slides/007_other_data_structures.pptx
@@ -4205,7 +4205,7 @@
           <a:p>
             <a:r>
               <a:rPr lang="en-US" dirty="0"/>
-              <a:t>Queues are First In Last Out:</a:t>
+              <a:t>Queues are First In First Out:</a:t>
             </a:r>
           </a:p>
           <a:p>
